--- a/Apresentação squad 10.pptx
+++ b/Apresentação squad 10.pptx
@@ -9,31 +9,32 @@
     <p:sldId id="257" r:id="rId3"/>
     <p:sldId id="258" r:id="rId4"/>
     <p:sldId id="259" r:id="rId5"/>
-    <p:sldId id="260" r:id="rId6"/>
-    <p:sldId id="261" r:id="rId7"/>
-    <p:sldId id="262" r:id="rId8"/>
+    <p:sldId id="263" r:id="rId6"/>
+    <p:sldId id="260" r:id="rId7"/>
+    <p:sldId id="261" r:id="rId8"/>
+    <p:sldId id="262" r:id="rId9"/>
   </p:sldIdLst>
   <p:sldSz cx="18288000" cy="10287000"/>
   <p:notesSz cx="6858000" cy="9144000"/>
   <p:embeddedFontLst>
     <p:embeddedFont>
       <p:font typeface="Anonymous Pro Bold" panose="020B0604020202020204" charset="0"/>
-      <p:regular r:id="rId9"/>
+      <p:regular r:id="rId10"/>
     </p:embeddedFont>
     <p:embeddedFont>
       <p:font typeface="Calibri" panose="020F0502020204030204" pitchFamily="34" charset="0"/>
-      <p:regular r:id="rId10"/>
-      <p:bold r:id="rId11"/>
-      <p:italic r:id="rId12"/>
-      <p:boldItalic r:id="rId13"/>
+      <p:regular r:id="rId11"/>
+      <p:bold r:id="rId12"/>
+      <p:italic r:id="rId13"/>
+      <p:boldItalic r:id="rId14"/>
     </p:embeddedFont>
     <p:embeddedFont>
       <p:font typeface="Clear Sans Thin" panose="020B0604020202020204" charset="0"/>
-      <p:regular r:id="rId14"/>
+      <p:regular r:id="rId15"/>
     </p:embeddedFont>
     <p:embeddedFont>
       <p:font typeface="Clear Sans Thin Bold" panose="020B0604020202020204" charset="0"/>
-      <p:regular r:id="rId15"/>
+      <p:regular r:id="rId16"/>
     </p:embeddedFont>
   </p:embeddedFontLst>
   <p:defaultTextStyle>
@@ -330,7 +331,7 @@
             <a:fld id="{1D8BD707-D9CF-40AE-B4C6-C98DA3205C09}" type="datetimeFigureOut">
               <a:rPr lang="en-US" smtClean="0"/>
               <a:pPr/>
-              <a:t>5/4/2023</a:t>
+              <a:t>5/5/2023</a:t>
             </a:fld>
             <a:endParaRPr lang="en-US"/>
           </a:p>
@@ -495,7 +496,7 @@
             <a:fld id="{1D8BD707-D9CF-40AE-B4C6-C98DA3205C09}" type="datetimeFigureOut">
               <a:rPr lang="en-US" smtClean="0"/>
               <a:pPr/>
-              <a:t>5/4/2023</a:t>
+              <a:t>5/5/2023</a:t>
             </a:fld>
             <a:endParaRPr lang="en-US"/>
           </a:p>
@@ -670,7 +671,7 @@
             <a:fld id="{1D8BD707-D9CF-40AE-B4C6-C98DA3205C09}" type="datetimeFigureOut">
               <a:rPr lang="en-US" smtClean="0"/>
               <a:pPr/>
-              <a:t>5/4/2023</a:t>
+              <a:t>5/5/2023</a:t>
             </a:fld>
             <a:endParaRPr lang="en-US"/>
           </a:p>
@@ -835,7 +836,7 @@
             <a:fld id="{1D8BD707-D9CF-40AE-B4C6-C98DA3205C09}" type="datetimeFigureOut">
               <a:rPr lang="en-US" smtClean="0"/>
               <a:pPr/>
-              <a:t>5/4/2023</a:t>
+              <a:t>5/5/2023</a:t>
             </a:fld>
             <a:endParaRPr lang="en-US"/>
           </a:p>
@@ -1077,7 +1078,7 @@
             <a:fld id="{1D8BD707-D9CF-40AE-B4C6-C98DA3205C09}" type="datetimeFigureOut">
               <a:rPr lang="en-US" smtClean="0"/>
               <a:pPr/>
-              <a:t>5/4/2023</a:t>
+              <a:t>5/5/2023</a:t>
             </a:fld>
             <a:endParaRPr lang="en-US"/>
           </a:p>
@@ -1359,7 +1360,7 @@
             <a:fld id="{1D8BD707-D9CF-40AE-B4C6-C98DA3205C09}" type="datetimeFigureOut">
               <a:rPr lang="en-US" smtClean="0"/>
               <a:pPr/>
-              <a:t>5/4/2023</a:t>
+              <a:t>5/5/2023</a:t>
             </a:fld>
             <a:endParaRPr lang="en-US"/>
           </a:p>
@@ -1775,7 +1776,7 @@
             <a:fld id="{1D8BD707-D9CF-40AE-B4C6-C98DA3205C09}" type="datetimeFigureOut">
               <a:rPr lang="en-US" smtClean="0"/>
               <a:pPr/>
-              <a:t>5/4/2023</a:t>
+              <a:t>5/5/2023</a:t>
             </a:fld>
             <a:endParaRPr lang="en-US"/>
           </a:p>
@@ -1889,7 +1890,7 @@
             <a:fld id="{1D8BD707-D9CF-40AE-B4C6-C98DA3205C09}" type="datetimeFigureOut">
               <a:rPr lang="en-US" smtClean="0"/>
               <a:pPr/>
-              <a:t>5/4/2023</a:t>
+              <a:t>5/5/2023</a:t>
             </a:fld>
             <a:endParaRPr lang="en-US"/>
           </a:p>
@@ -1981,7 +1982,7 @@
             <a:fld id="{1D8BD707-D9CF-40AE-B4C6-C98DA3205C09}" type="datetimeFigureOut">
               <a:rPr lang="en-US" smtClean="0"/>
               <a:pPr/>
-              <a:t>5/4/2023</a:t>
+              <a:t>5/5/2023</a:t>
             </a:fld>
             <a:endParaRPr lang="en-US"/>
           </a:p>
@@ -2253,7 +2254,7 @@
             <a:fld id="{1D8BD707-D9CF-40AE-B4C6-C98DA3205C09}" type="datetimeFigureOut">
               <a:rPr lang="en-US" smtClean="0"/>
               <a:pPr/>
-              <a:t>5/4/2023</a:t>
+              <a:t>5/5/2023</a:t>
             </a:fld>
             <a:endParaRPr lang="en-US"/>
           </a:p>
@@ -2502,7 +2503,7 @@
             <a:fld id="{1D8BD707-D9CF-40AE-B4C6-C98DA3205C09}" type="datetimeFigureOut">
               <a:rPr lang="en-US" smtClean="0"/>
               <a:pPr/>
-              <a:t>5/4/2023</a:t>
+              <a:t>5/5/2023</a:t>
             </a:fld>
             <a:endParaRPr lang="en-US"/>
           </a:p>
@@ -2710,7 +2711,7 @@
             <a:fld id="{1D8BD707-D9CF-40AE-B4C6-C98DA3205C09}" type="datetimeFigureOut">
               <a:rPr lang="en-US" smtClean="0"/>
               <a:pPr/>
-              <a:t>5/4/2023</a:t>
+              <a:t>5/5/2023</a:t>
             </a:fld>
             <a:endParaRPr lang="en-US"/>
           </a:p>
@@ -4186,7 +4187,7 @@
               </a:spcBef>
             </a:pPr>
             <a:r>
-              <a:rPr lang="en-US" sz="5800" spc="336">
+              <a:rPr lang="en-US" sz="5800" spc="336" dirty="0">
                 <a:solidFill>
                   <a:srgbClr val="000000"/>
                 </a:solidFill>
@@ -4375,6 +4376,149 @@
 </file>
 
 <file path=ppt/slides/slide5.xml><?xml version="1.0" encoding="utf-8"?>
+<p:sld xmlns:a="http://schemas.openxmlformats.org/drawingml/2006/main" xmlns:r="http://schemas.openxmlformats.org/officeDocument/2006/relationships" xmlns:p="http://schemas.openxmlformats.org/presentationml/2006/main">
+  <p:cSld>
+    <p:spTree>
+      <p:nvGrpSpPr>
+        <p:cNvPr id="1" name=""/>
+        <p:cNvGrpSpPr/>
+        <p:nvPr/>
+      </p:nvGrpSpPr>
+      <p:grpSpPr>
+        <a:xfrm>
+          <a:off x="0" y="0"/>
+          <a:ext cx="0" cy="0"/>
+          <a:chOff x="0" y="0"/>
+          <a:chExt cx="0" cy="0"/>
+        </a:xfrm>
+      </p:grpSpPr>
+      <p:sp>
+        <p:nvSpPr>
+          <p:cNvPr id="2" name="AutoShape 5">
+            <a:extLst>
+              <a:ext uri="{FF2B5EF4-FFF2-40B4-BE49-F238E27FC236}">
+                <a16:creationId xmlns:a16="http://schemas.microsoft.com/office/drawing/2014/main" id="{F021DF99-91F2-6B83-667A-6BAFBCAE45A0}"/>
+              </a:ext>
+            </a:extLst>
+          </p:cNvPr>
+          <p:cNvSpPr/>
+          <p:nvPr/>
+        </p:nvSpPr>
+        <p:spPr>
+          <a:xfrm rot="5399866">
+            <a:off x="311309" y="1746121"/>
+            <a:ext cx="1472940" cy="0"/>
+          </a:xfrm>
+          <a:prstGeom prst="line">
+            <a:avLst/>
+          </a:prstGeom>
+          <a:ln w="38100" cap="flat">
+            <a:solidFill>
+              <a:srgbClr val="000000"/>
+            </a:solidFill>
+            <a:prstDash val="solid"/>
+            <a:headEnd type="none" w="sm" len="sm"/>
+            <a:tailEnd type="none" w="sm" len="sm"/>
+          </a:ln>
+        </p:spPr>
+      </p:sp>
+      <p:sp>
+        <p:nvSpPr>
+          <p:cNvPr id="3" name="TextBox 7">
+            <a:extLst>
+              <a:ext uri="{FF2B5EF4-FFF2-40B4-BE49-F238E27FC236}">
+                <a16:creationId xmlns:a16="http://schemas.microsoft.com/office/drawing/2014/main" id="{2E1659D1-14F2-292A-FB41-1A1001CCD48C}"/>
+              </a:ext>
+            </a:extLst>
+          </p:cNvPr>
+          <p:cNvSpPr txBox="1"/>
+          <p:nvPr/>
+        </p:nvSpPr>
+        <p:spPr>
+          <a:xfrm>
+            <a:off x="1929534" y="1228225"/>
+            <a:ext cx="5532090" cy="835870"/>
+          </a:xfrm>
+          <a:prstGeom prst="rect">
+            <a:avLst/>
+          </a:prstGeom>
+        </p:spPr>
+        <p:txBody>
+          <a:bodyPr lIns="0" tIns="0" rIns="0" bIns="0" rtlCol="0" anchor="t">
+            <a:spAutoFit/>
+          </a:bodyPr>
+          <a:lstStyle/>
+          <a:p>
+            <a:pPr marL="0" lvl="0" indent="0" algn="l">
+              <a:lnSpc>
+                <a:spcPts val="6960"/>
+              </a:lnSpc>
+              <a:spcBef>
+                <a:spcPct val="0"/>
+              </a:spcBef>
+            </a:pPr>
+            <a:r>
+              <a:rPr lang="en-US" sz="5800" spc="336" dirty="0">
+                <a:solidFill>
+                  <a:srgbClr val="000000"/>
+                </a:solidFill>
+                <a:latin typeface="Anonymous Pro Bold"/>
+              </a:rPr>
+              <a:t>FLUXOGRAMA</a:t>
+            </a:r>
+          </a:p>
+        </p:txBody>
+      </p:sp>
+      <p:pic>
+        <p:nvPicPr>
+          <p:cNvPr id="5" name="Imagem 4">
+            <a:extLst>
+              <a:ext uri="{FF2B5EF4-FFF2-40B4-BE49-F238E27FC236}">
+                <a16:creationId xmlns:a16="http://schemas.microsoft.com/office/drawing/2014/main" id="{00735B73-279E-728D-9A8B-A703208BBBA1}"/>
+              </a:ext>
+            </a:extLst>
+          </p:cNvPr>
+          <p:cNvPicPr>
+            <a:picLocks noChangeAspect="1"/>
+          </p:cNvPicPr>
+          <p:nvPr/>
+        </p:nvPicPr>
+        <p:blipFill>
+          <a:blip r:embed="rId2">
+            <a:extLst>
+              <a:ext uri="{28A0092B-C50C-407E-A947-70E740481C1C}">
+                <a14:useLocalDpi xmlns:a14="http://schemas.microsoft.com/office/drawing/2010/main" val="0"/>
+              </a:ext>
+            </a:extLst>
+          </a:blip>
+          <a:stretch>
+            <a:fillRect/>
+          </a:stretch>
+        </p:blipFill>
+        <p:spPr>
+          <a:xfrm>
+            <a:off x="6532476" y="1"/>
+            <a:ext cx="11734742" cy="10287000"/>
+          </a:xfrm>
+          <a:prstGeom prst="rect">
+            <a:avLst/>
+          </a:prstGeom>
+        </p:spPr>
+      </p:pic>
+    </p:spTree>
+    <p:extLst>
+      <p:ext uri="{BB962C8B-B14F-4D97-AF65-F5344CB8AC3E}">
+        <p14:creationId xmlns:p14="http://schemas.microsoft.com/office/powerpoint/2010/main" val="3662814532"/>
+      </p:ext>
+    </p:extLst>
+  </p:cSld>
+  <p:clrMapOvr>
+    <a:masterClrMapping/>
+  </p:clrMapOvr>
+</p:sld>
+</file>
+
+<file path=ppt/slides/slide6.xml><?xml version="1.0" encoding="utf-8"?>
 <p:sld xmlns:a="http://schemas.openxmlformats.org/drawingml/2006/main" xmlns:r="http://schemas.openxmlformats.org/officeDocument/2006/relationships" xmlns:p="http://schemas.openxmlformats.org/presentationml/2006/main">
   <p:cSld>
     <p:bg>
@@ -4692,7 +4836,7 @@
 </p:sld>
 </file>
 
-<file path=ppt/slides/slide6.xml><?xml version="1.0" encoding="utf-8"?>
+<file path=ppt/slides/slide7.xml><?xml version="1.0" encoding="utf-8"?>
 <p:sld xmlns:a="http://schemas.openxmlformats.org/drawingml/2006/main" xmlns:r="http://schemas.openxmlformats.org/officeDocument/2006/relationships" xmlns:p="http://schemas.openxmlformats.org/presentationml/2006/main">
   <p:cSld>
     <p:bg>
@@ -4901,7 +5045,7 @@
 </p:sld>
 </file>
 
-<file path=ppt/slides/slide7.xml><?xml version="1.0" encoding="utf-8"?>
+<file path=ppt/slides/slide8.xml><?xml version="1.0" encoding="utf-8"?>
 <p:sld xmlns:a="http://schemas.openxmlformats.org/drawingml/2006/main" xmlns:r="http://schemas.openxmlformats.org/officeDocument/2006/relationships" xmlns:p="http://schemas.openxmlformats.org/presentationml/2006/main">
   <p:cSld>
     <p:bg>
